--- a/BioInfo_Sai.pptx
+++ b/BioInfo_Sai.pptx
@@ -5,7 +5,7 @@
     <p:sldMasterId id="2147483840" r:id="rId1"/>
   </p:sldMasterIdLst>
   <p:notesMasterIdLst>
-    <p:notesMasterId r:id="rId16"/>
+    <p:notesMasterId r:id="rId17"/>
   </p:notesMasterIdLst>
   <p:sldIdLst>
     <p:sldId id="256" r:id="rId2"/>
@@ -22,6 +22,7 @@
     <p:sldId id="266" r:id="rId13"/>
     <p:sldId id="271" r:id="rId14"/>
     <p:sldId id="270" r:id="rId15"/>
+    <p:sldId id="273" r:id="rId16"/>
   </p:sldIdLst>
   <p:sldSz cx="12192000" cy="6858000"/>
   <p:notesSz cx="6858000" cy="9144000"/>
@@ -210,7 +211,7 @@
           <a:p>
             <a:fld id="{D1556918-ACDB-4F44-A8D5-D7012DA35A0A}" type="datetimeFigureOut">
               <a:rPr lang="en-US" smtClean="0"/>
-              <a:t>11/18/2016</a:t>
+              <a:t>12/8/2016</a:t>
             </a:fld>
             <a:endParaRPr lang="en-US"/>
           </a:p>
@@ -1160,7 +1161,7 @@
           <a:p>
             <a:fld id="{C560BCF6-D887-4128-B47B-C33AFDC04E73}" type="datetime1">
               <a:rPr lang="en-US" smtClean="0"/>
-              <a:t>11/18/2016</a:t>
+              <a:t>12/8/2016</a:t>
             </a:fld>
             <a:endParaRPr lang="en-US" dirty="0"/>
           </a:p>
@@ -1339,7 +1340,7 @@
           <a:p>
             <a:fld id="{418D9B2B-CBD9-47D3-97C5-85E33EEAA7A1}" type="datetime1">
               <a:rPr lang="en-US" smtClean="0"/>
-              <a:t>11/18/2016</a:t>
+              <a:t>12/8/2016</a:t>
             </a:fld>
             <a:endParaRPr lang="en-US" dirty="0"/>
           </a:p>
@@ -1518,7 +1519,7 @@
           <a:p>
             <a:fld id="{C5271CB4-32E8-446D-9FAC-0FA58BEF2A11}" type="datetime1">
               <a:rPr lang="en-US" smtClean="0"/>
-              <a:t>11/18/2016</a:t>
+              <a:t>12/8/2016</a:t>
             </a:fld>
             <a:endParaRPr lang="en-US" dirty="0"/>
           </a:p>
@@ -1687,7 +1688,7 @@
           <a:p>
             <a:fld id="{07A9CBB4-B4C7-4D7F-A0A3-BBFA709E00E1}" type="datetime1">
               <a:rPr lang="en-US" smtClean="0"/>
-              <a:t>11/18/2016</a:t>
+              <a:t>12/8/2016</a:t>
             </a:fld>
             <a:endParaRPr lang="en-US" dirty="0"/>
           </a:p>
@@ -1999,7 +2000,7 @@
           <a:p>
             <a:fld id="{24C931B7-CCA5-4CE8-ADB7-2763AB0F1577}" type="datetime1">
               <a:rPr lang="en-US" smtClean="0"/>
-              <a:t>11/18/2016</a:t>
+              <a:t>12/8/2016</a:t>
             </a:fld>
             <a:endParaRPr lang="en-US" dirty="0"/>
           </a:p>
@@ -2385,7 +2386,7 @@
           <a:p>
             <a:fld id="{1D108CF3-838A-42C0-9F60-0E12B4339245}" type="datetime1">
               <a:rPr lang="en-US" smtClean="0"/>
-              <a:t>11/18/2016</a:t>
+              <a:t>12/8/2016</a:t>
             </a:fld>
             <a:endParaRPr lang="en-US" dirty="0"/>
           </a:p>
@@ -2818,7 +2819,7 @@
           <a:p>
             <a:fld id="{0A63FB2D-99CB-4291-8C21-63B8BA0A88C3}" type="datetime1">
               <a:rPr lang="en-US" smtClean="0"/>
-              <a:t>11/18/2016</a:t>
+              <a:t>12/8/2016</a:t>
             </a:fld>
             <a:endParaRPr lang="en-US" dirty="0"/>
           </a:p>
@@ -2935,7 +2936,7 @@
           <a:p>
             <a:fld id="{11E4EE8E-E91E-499C-B9CE-35E7B1E6008D}" type="datetime1">
               <a:rPr lang="en-US" smtClean="0"/>
-              <a:t>11/18/2016</a:t>
+              <a:t>12/8/2016</a:t>
             </a:fld>
             <a:endParaRPr lang="en-US" dirty="0"/>
           </a:p>
@@ -3029,7 +3030,7 @@
           <a:p>
             <a:fld id="{506A100C-F64D-4827-AC3A-553356056F8F}" type="datetime1">
               <a:rPr lang="en-US" smtClean="0"/>
-              <a:t>11/18/2016</a:t>
+              <a:t>12/8/2016</a:t>
             </a:fld>
             <a:endParaRPr lang="en-US" dirty="0"/>
           </a:p>
@@ -3378,7 +3379,7 @@
           <a:p>
             <a:fld id="{0440AADB-9867-4D2C-A2F0-13EE7562E4B6}" type="datetime1">
               <a:rPr lang="en-US" smtClean="0"/>
-              <a:t>11/18/2016</a:t>
+              <a:t>12/8/2016</a:t>
             </a:fld>
             <a:endParaRPr lang="en-US" dirty="0"/>
           </a:p>
@@ -3802,7 +3803,7 @@
           <a:p>
             <a:fld id="{DD24DADF-84FE-446A-A570-14766BB72FFB}" type="datetime1">
               <a:rPr lang="en-US" smtClean="0"/>
-              <a:t>11/18/2016</a:t>
+              <a:t>12/8/2016</a:t>
             </a:fld>
             <a:endParaRPr lang="en-US" dirty="0"/>
           </a:p>
@@ -4078,7 +4079,7 @@
           <a:p>
             <a:fld id="{2133189F-DB3E-4B77-82C3-AEFCB442D091}" type="datetime1">
               <a:rPr lang="en-US" smtClean="0"/>
-              <a:t>11/18/2016</a:t>
+              <a:t>12/8/2016</a:t>
             </a:fld>
             <a:endParaRPr lang="en-US" dirty="0"/>
           </a:p>
@@ -7493,6 +7494,663 @@
     <p:extLst>
       <p:ext uri="{BB962C8B-B14F-4D97-AF65-F5344CB8AC3E}">
         <p14:creationId xmlns:p14="http://schemas.microsoft.com/office/powerpoint/2010/main" val="188461735"/>
+      </p:ext>
+    </p:extLst>
+  </p:cSld>
+  <p:clrMapOvr>
+    <a:masterClrMapping/>
+  </p:clrMapOvr>
+</p:sld>
+</file>
+
+<file path=ppt/slides/slide15.xml><?xml version="1.0" encoding="utf-8"?>
+<p:sld xmlns:a="http://schemas.openxmlformats.org/drawingml/2006/main" xmlns:r="http://schemas.openxmlformats.org/officeDocument/2006/relationships" xmlns:p="http://schemas.openxmlformats.org/presentationml/2006/main">
+  <p:cSld>
+    <p:spTree>
+      <p:nvGrpSpPr>
+        <p:cNvPr id="1" name=""/>
+        <p:cNvGrpSpPr/>
+        <p:nvPr/>
+      </p:nvGrpSpPr>
+      <p:grpSpPr>
+        <a:xfrm>
+          <a:off x="0" y="0"/>
+          <a:ext cx="0" cy="0"/>
+          <a:chOff x="0" y="0"/>
+          <a:chExt cx="0" cy="0"/>
+        </a:xfrm>
+      </p:grpSpPr>
+      <p:sp>
+        <p:nvSpPr>
+          <p:cNvPr id="2" name="Footer Placeholder 1"/>
+          <p:cNvSpPr>
+            <a:spLocks noGrp="1"/>
+          </p:cNvSpPr>
+          <p:nvPr>
+            <p:ph type="ftr" sz="quarter" idx="11"/>
+          </p:nvPr>
+        </p:nvSpPr>
+        <p:spPr>
+          <a:xfrm>
+            <a:off x="2899475" y="-155586"/>
+            <a:ext cx="6327648" cy="966025"/>
+          </a:xfrm>
+        </p:spPr>
+        <p:txBody>
+          <a:bodyPr/>
+          <a:lstStyle/>
+          <a:p>
+            <a:r>
+              <a:rPr lang="en-US" sz="2400" u="sng" dirty="0"/>
+              <a:t>Process of Comparative Protein Modelling </a:t>
+            </a:r>
+          </a:p>
+        </p:txBody>
+      </p:sp>
+      <p:sp>
+        <p:nvSpPr>
+          <p:cNvPr id="3" name="Slide Number Placeholder 2"/>
+          <p:cNvSpPr>
+            <a:spLocks noGrp="1"/>
+          </p:cNvSpPr>
+          <p:nvPr>
+            <p:ph type="sldNum" sz="quarter" idx="12"/>
+          </p:nvPr>
+        </p:nvSpPr>
+        <p:spPr/>
+        <p:txBody>
+          <a:bodyPr/>
+          <a:lstStyle/>
+          <a:p>
+            <a:endParaRPr lang="en-US" dirty="0"/>
+          </a:p>
+        </p:txBody>
+      </p:sp>
+      <p:pic>
+        <p:nvPicPr>
+          <p:cNvPr id="4" name="Picture 3"/>
+          <p:cNvPicPr>
+            <a:picLocks noChangeAspect="1"/>
+          </p:cNvPicPr>
+          <p:nvPr/>
+        </p:nvPicPr>
+        <p:blipFill>
+          <a:blip r:embed="rId2"/>
+          <a:stretch>
+            <a:fillRect/>
+          </a:stretch>
+        </p:blipFill>
+        <p:spPr>
+          <a:xfrm>
+            <a:off x="3046701" y="533004"/>
+            <a:ext cx="8432887" cy="3660899"/>
+          </a:xfrm>
+          <a:prstGeom prst="rect">
+            <a:avLst/>
+          </a:prstGeom>
+        </p:spPr>
+      </p:pic>
+      <p:sp>
+        <p:nvSpPr>
+          <p:cNvPr id="5" name="Diamond 4"/>
+          <p:cNvSpPr/>
+          <p:nvPr/>
+        </p:nvSpPr>
+        <p:spPr>
+          <a:xfrm>
+            <a:off x="9592289" y="4633491"/>
+            <a:ext cx="1354015" cy="1248508"/>
+          </a:xfrm>
+          <a:prstGeom prst="diamond">
+            <a:avLst/>
+          </a:prstGeom>
+          <a:noFill/>
+        </p:spPr>
+        <p:style>
+          <a:lnRef idx="2">
+            <a:schemeClr val="accent1">
+              <a:shade val="50000"/>
+            </a:schemeClr>
+          </a:lnRef>
+          <a:fillRef idx="1">
+            <a:schemeClr val="accent1"/>
+          </a:fillRef>
+          <a:effectRef idx="0">
+            <a:schemeClr val="accent1"/>
+          </a:effectRef>
+          <a:fontRef idx="minor">
+            <a:schemeClr val="lt1"/>
+          </a:fontRef>
+        </p:style>
+        <p:txBody>
+          <a:bodyPr rtlCol="0" anchor="ctr"/>
+          <a:lstStyle/>
+          <a:p>
+            <a:pPr algn="ctr"/>
+            <a:r>
+              <a:rPr lang="en-US" sz="1200" dirty="0">
+                <a:solidFill>
+                  <a:schemeClr val="tx1"/>
+                </a:solidFill>
+              </a:rPr>
+              <a:t>Model Ok?</a:t>
+            </a:r>
+          </a:p>
+        </p:txBody>
+      </p:sp>
+      <p:cxnSp>
+        <p:nvCxnSpPr>
+          <p:cNvPr id="7" name="Straight Connector 6"/>
+          <p:cNvCxnSpPr>
+            <a:stCxn id="5" idx="0"/>
+          </p:cNvCxnSpPr>
+          <p:nvPr/>
+        </p:nvCxnSpPr>
+        <p:spPr>
+          <a:xfrm flipV="1">
+            <a:off x="10269297" y="4273020"/>
+            <a:ext cx="61546" cy="360471"/>
+          </a:xfrm>
+          <a:prstGeom prst="line">
+            <a:avLst/>
+          </a:prstGeom>
+        </p:spPr>
+        <p:style>
+          <a:lnRef idx="1">
+            <a:schemeClr val="dk1"/>
+          </a:lnRef>
+          <a:fillRef idx="0">
+            <a:schemeClr val="dk1"/>
+          </a:fillRef>
+          <a:effectRef idx="0">
+            <a:schemeClr val="dk1"/>
+          </a:effectRef>
+          <a:fontRef idx="minor">
+            <a:schemeClr val="tx1"/>
+          </a:fontRef>
+        </p:style>
+      </p:cxnSp>
+      <p:pic>
+        <p:nvPicPr>
+          <p:cNvPr id="13" name="Picture 12"/>
+          <p:cNvPicPr>
+            <a:picLocks noChangeAspect="1"/>
+          </p:cNvPicPr>
+          <p:nvPr/>
+        </p:nvPicPr>
+        <p:blipFill>
+          <a:blip r:embed="rId3">
+            <a:extLst>
+              <a:ext uri="{28A0092B-C50C-407E-A947-70E740481C1C}">
+                <a14:useLocalDpi xmlns:a14="http://schemas.microsoft.com/office/drawing/2010/main" val="0"/>
+              </a:ext>
+            </a:extLst>
+          </a:blip>
+          <a:stretch>
+            <a:fillRect/>
+          </a:stretch>
+        </p:blipFill>
+        <p:spPr>
+          <a:xfrm>
+            <a:off x="1742287" y="1861646"/>
+            <a:ext cx="495238" cy="495238"/>
+          </a:xfrm>
+          <a:prstGeom prst="rect">
+            <a:avLst/>
+          </a:prstGeom>
+        </p:spPr>
+      </p:pic>
+      <p:sp>
+        <p:nvSpPr>
+          <p:cNvPr id="14" name="TextBox 13"/>
+          <p:cNvSpPr txBox="1"/>
+          <p:nvPr/>
+        </p:nvSpPr>
+        <p:spPr>
+          <a:xfrm>
+            <a:off x="50876" y="2535687"/>
+            <a:ext cx="1208680" cy="338554"/>
+          </a:xfrm>
+          <a:prstGeom prst="rect">
+            <a:avLst/>
+          </a:prstGeom>
+          <a:noFill/>
+        </p:spPr>
+        <p:txBody>
+          <a:bodyPr wrap="square" rtlCol="0">
+            <a:spAutoFit/>
+          </a:bodyPr>
+          <a:lstStyle/>
+          <a:p>
+            <a:pPr algn="ctr"/>
+            <a:r>
+              <a:rPr lang="en-US" sz="1600" dirty="0"/>
+              <a:t>Templates</a:t>
+            </a:r>
+          </a:p>
+        </p:txBody>
+      </p:sp>
+      <p:pic>
+        <p:nvPicPr>
+          <p:cNvPr id="16" name="Picture 15"/>
+          <p:cNvPicPr>
+            <a:picLocks noChangeAspect="1"/>
+          </p:cNvPicPr>
+          <p:nvPr/>
+        </p:nvPicPr>
+        <p:blipFill>
+          <a:blip r:embed="rId3">
+            <a:extLst>
+              <a:ext uri="{28A0092B-C50C-407E-A947-70E740481C1C}">
+                <a14:useLocalDpi xmlns:a14="http://schemas.microsoft.com/office/drawing/2010/main" val="0"/>
+              </a:ext>
+            </a:extLst>
+          </a:blip>
+          <a:stretch>
+            <a:fillRect/>
+          </a:stretch>
+        </p:blipFill>
+        <p:spPr>
+          <a:xfrm>
+            <a:off x="276043" y="1861646"/>
+            <a:ext cx="495238" cy="495238"/>
+          </a:xfrm>
+          <a:prstGeom prst="rect">
+            <a:avLst/>
+          </a:prstGeom>
+        </p:spPr>
+      </p:pic>
+      <p:sp>
+        <p:nvSpPr>
+          <p:cNvPr id="17" name="Right Arrow 42"/>
+          <p:cNvSpPr/>
+          <p:nvPr/>
+        </p:nvSpPr>
+        <p:spPr>
+          <a:xfrm>
+            <a:off x="2587830" y="2249414"/>
+            <a:ext cx="311645" cy="188261"/>
+          </a:xfrm>
+          <a:prstGeom prst="rightArrow">
+            <a:avLst/>
+          </a:prstGeom>
+        </p:spPr>
+        <p:style>
+          <a:lnRef idx="2">
+            <a:schemeClr val="accent1">
+              <a:shade val="50000"/>
+            </a:schemeClr>
+          </a:lnRef>
+          <a:fillRef idx="1">
+            <a:schemeClr val="accent1"/>
+          </a:fillRef>
+          <a:effectRef idx="0">
+            <a:schemeClr val="accent1"/>
+          </a:effectRef>
+          <a:fontRef idx="minor">
+            <a:schemeClr val="lt1"/>
+          </a:fontRef>
+        </p:style>
+        <p:txBody>
+          <a:bodyPr rtlCol="0" anchor="ctr"/>
+          <a:lstStyle/>
+          <a:p>
+            <a:pPr algn="ctr"/>
+            <a:endParaRPr lang="en-US"/>
+          </a:p>
+        </p:txBody>
+      </p:sp>
+      <p:sp>
+        <p:nvSpPr>
+          <p:cNvPr id="18" name="Right Arrow 42"/>
+          <p:cNvSpPr/>
+          <p:nvPr/>
+        </p:nvSpPr>
+        <p:spPr>
+          <a:xfrm>
+            <a:off x="1103734" y="2168623"/>
+            <a:ext cx="311645" cy="188261"/>
+          </a:xfrm>
+          <a:prstGeom prst="rightArrow">
+            <a:avLst/>
+          </a:prstGeom>
+        </p:spPr>
+        <p:style>
+          <a:lnRef idx="2">
+            <a:schemeClr val="accent1">
+              <a:shade val="50000"/>
+            </a:schemeClr>
+          </a:lnRef>
+          <a:fillRef idx="1">
+            <a:schemeClr val="accent1"/>
+          </a:fillRef>
+          <a:effectRef idx="0">
+            <a:schemeClr val="accent1"/>
+          </a:effectRef>
+          <a:fontRef idx="minor">
+            <a:schemeClr val="lt1"/>
+          </a:fontRef>
+        </p:style>
+        <p:txBody>
+          <a:bodyPr rtlCol="0" anchor="ctr"/>
+          <a:lstStyle/>
+          <a:p>
+            <a:pPr algn="ctr"/>
+            <a:endParaRPr lang="en-US"/>
+          </a:p>
+        </p:txBody>
+      </p:sp>
+      <p:sp>
+        <p:nvSpPr>
+          <p:cNvPr id="19" name="TextBox 18"/>
+          <p:cNvSpPr txBox="1"/>
+          <p:nvPr/>
+        </p:nvSpPr>
+        <p:spPr>
+          <a:xfrm>
+            <a:off x="1377766" y="2535686"/>
+            <a:ext cx="1210063" cy="523220"/>
+          </a:xfrm>
+          <a:prstGeom prst="rect">
+            <a:avLst/>
+          </a:prstGeom>
+          <a:noFill/>
+        </p:spPr>
+        <p:txBody>
+          <a:bodyPr wrap="square" rtlCol="0">
+            <a:spAutoFit/>
+          </a:bodyPr>
+          <a:lstStyle/>
+          <a:p>
+            <a:pPr algn="ctr"/>
+            <a:r>
+              <a:rPr lang="en-US" sz="1400" dirty="0"/>
+              <a:t>Select</a:t>
+            </a:r>
+          </a:p>
+          <a:p>
+            <a:pPr algn="ctr"/>
+            <a:r>
+              <a:rPr lang="en-US" sz="1400" dirty="0"/>
+              <a:t>Template/s</a:t>
+            </a:r>
+          </a:p>
+        </p:txBody>
+      </p:sp>
+      <p:cxnSp>
+        <p:nvCxnSpPr>
+          <p:cNvPr id="21" name="Straight Connector 20"/>
+          <p:cNvCxnSpPr>
+            <a:stCxn id="5" idx="1"/>
+          </p:cNvCxnSpPr>
+          <p:nvPr/>
+        </p:nvCxnSpPr>
+        <p:spPr>
+          <a:xfrm flipH="1" flipV="1">
+            <a:off x="2587829" y="5002823"/>
+            <a:ext cx="7004460" cy="254922"/>
+          </a:xfrm>
+          <a:prstGeom prst="line">
+            <a:avLst/>
+          </a:prstGeom>
+        </p:spPr>
+        <p:style>
+          <a:lnRef idx="1">
+            <a:schemeClr val="accent1"/>
+          </a:lnRef>
+          <a:fillRef idx="0">
+            <a:schemeClr val="accent1"/>
+          </a:fillRef>
+          <a:effectRef idx="0">
+            <a:schemeClr val="accent1"/>
+          </a:effectRef>
+          <a:fontRef idx="minor">
+            <a:schemeClr val="tx1"/>
+          </a:fontRef>
+        </p:style>
+      </p:cxnSp>
+      <p:cxnSp>
+        <p:nvCxnSpPr>
+          <p:cNvPr id="23" name="Straight Arrow Connector 22"/>
+          <p:cNvCxnSpPr/>
+          <p:nvPr/>
+        </p:nvCxnSpPr>
+        <p:spPr>
+          <a:xfrm flipV="1">
+            <a:off x="2587830" y="2535686"/>
+            <a:ext cx="155822" cy="2467137"/>
+          </a:xfrm>
+          <a:prstGeom prst="straightConnector1">
+            <a:avLst/>
+          </a:prstGeom>
+          <a:ln>
+            <a:tailEnd type="triangle"/>
+          </a:ln>
+        </p:spPr>
+        <p:style>
+          <a:lnRef idx="1">
+            <a:schemeClr val="accent1"/>
+          </a:lnRef>
+          <a:fillRef idx="0">
+            <a:schemeClr val="accent1"/>
+          </a:fillRef>
+          <a:effectRef idx="0">
+            <a:schemeClr val="accent1"/>
+          </a:effectRef>
+          <a:fontRef idx="minor">
+            <a:schemeClr val="tx1"/>
+          </a:fontRef>
+        </p:style>
+      </p:cxnSp>
+      <p:cxnSp>
+        <p:nvCxnSpPr>
+          <p:cNvPr id="25" name="Straight Connector 24"/>
+          <p:cNvCxnSpPr/>
+          <p:nvPr/>
+        </p:nvCxnSpPr>
+        <p:spPr>
+          <a:xfrm flipH="1">
+            <a:off x="1103734" y="5002823"/>
+            <a:ext cx="1484096" cy="0"/>
+          </a:xfrm>
+          <a:prstGeom prst="line">
+            <a:avLst/>
+          </a:prstGeom>
+        </p:spPr>
+        <p:style>
+          <a:lnRef idx="1">
+            <a:schemeClr val="accent1"/>
+          </a:lnRef>
+          <a:fillRef idx="0">
+            <a:schemeClr val="accent1"/>
+          </a:fillRef>
+          <a:effectRef idx="0">
+            <a:schemeClr val="accent1"/>
+          </a:effectRef>
+          <a:fontRef idx="minor">
+            <a:schemeClr val="tx1"/>
+          </a:fontRef>
+        </p:style>
+      </p:cxnSp>
+      <p:cxnSp>
+        <p:nvCxnSpPr>
+          <p:cNvPr id="27" name="Straight Arrow Connector 26"/>
+          <p:cNvCxnSpPr/>
+          <p:nvPr/>
+        </p:nvCxnSpPr>
+        <p:spPr>
+          <a:xfrm flipV="1">
+            <a:off x="1103734" y="2535686"/>
+            <a:ext cx="155822" cy="2467137"/>
+          </a:xfrm>
+          <a:prstGeom prst="straightConnector1">
+            <a:avLst/>
+          </a:prstGeom>
+          <a:ln>
+            <a:tailEnd type="triangle"/>
+          </a:ln>
+        </p:spPr>
+        <p:style>
+          <a:lnRef idx="1">
+            <a:schemeClr val="accent1"/>
+          </a:lnRef>
+          <a:fillRef idx="0">
+            <a:schemeClr val="accent1"/>
+          </a:fillRef>
+          <a:effectRef idx="0">
+            <a:schemeClr val="accent1"/>
+          </a:effectRef>
+          <a:fontRef idx="minor">
+            <a:schemeClr val="tx1"/>
+          </a:fontRef>
+        </p:style>
+      </p:cxnSp>
+      <p:sp>
+        <p:nvSpPr>
+          <p:cNvPr id="28" name="TextBox 27"/>
+          <p:cNvSpPr txBox="1"/>
+          <p:nvPr/>
+        </p:nvSpPr>
+        <p:spPr>
+          <a:xfrm>
+            <a:off x="8563708" y="4633491"/>
+            <a:ext cx="805239" cy="369332"/>
+          </a:xfrm>
+          <a:prstGeom prst="rect">
+            <a:avLst/>
+          </a:prstGeom>
+          <a:noFill/>
+        </p:spPr>
+        <p:txBody>
+          <a:bodyPr wrap="square" rtlCol="0">
+            <a:spAutoFit/>
+          </a:bodyPr>
+          <a:lstStyle/>
+          <a:p>
+            <a:r>
+              <a:rPr lang="en-US" dirty="0"/>
+              <a:t>No</a:t>
+            </a:r>
+          </a:p>
+        </p:txBody>
+      </p:sp>
+      <p:sp>
+        <p:nvSpPr>
+          <p:cNvPr id="29" name="Oval 28"/>
+          <p:cNvSpPr/>
+          <p:nvPr/>
+        </p:nvSpPr>
+        <p:spPr>
+          <a:xfrm>
+            <a:off x="11195824" y="4877227"/>
+            <a:ext cx="943239" cy="712232"/>
+          </a:xfrm>
+          <a:prstGeom prst="ellipse">
+            <a:avLst/>
+          </a:prstGeom>
+          <a:noFill/>
+        </p:spPr>
+        <p:style>
+          <a:lnRef idx="2">
+            <a:schemeClr val="accent1">
+              <a:shade val="50000"/>
+            </a:schemeClr>
+          </a:lnRef>
+          <a:fillRef idx="1">
+            <a:schemeClr val="accent1"/>
+          </a:fillRef>
+          <a:effectRef idx="0">
+            <a:schemeClr val="accent1"/>
+          </a:effectRef>
+          <a:fontRef idx="minor">
+            <a:schemeClr val="lt1"/>
+          </a:fontRef>
+        </p:style>
+        <p:txBody>
+          <a:bodyPr rtlCol="0" anchor="ctr"/>
+          <a:lstStyle/>
+          <a:p>
+            <a:pPr algn="ctr"/>
+            <a:r>
+              <a:rPr lang="en-US" dirty="0">
+                <a:solidFill>
+                  <a:schemeClr val="tx1"/>
+                </a:solidFill>
+              </a:rPr>
+              <a:t>END</a:t>
+            </a:r>
+          </a:p>
+        </p:txBody>
+      </p:sp>
+      <p:cxnSp>
+        <p:nvCxnSpPr>
+          <p:cNvPr id="31" name="Straight Arrow Connector 30"/>
+          <p:cNvCxnSpPr>
+            <a:stCxn id="5" idx="3"/>
+            <a:endCxn id="29" idx="2"/>
+          </p:cNvCxnSpPr>
+          <p:nvPr/>
+        </p:nvCxnSpPr>
+        <p:spPr>
+          <a:xfrm flipV="1">
+            <a:off x="10946304" y="5233343"/>
+            <a:ext cx="249520" cy="24402"/>
+          </a:xfrm>
+          <a:prstGeom prst="straightConnector1">
+            <a:avLst/>
+          </a:prstGeom>
+          <a:ln>
+            <a:tailEnd type="triangle"/>
+          </a:ln>
+        </p:spPr>
+        <p:style>
+          <a:lnRef idx="1">
+            <a:schemeClr val="accent1"/>
+          </a:lnRef>
+          <a:fillRef idx="0">
+            <a:schemeClr val="accent1"/>
+          </a:fillRef>
+          <a:effectRef idx="0">
+            <a:schemeClr val="accent1"/>
+          </a:effectRef>
+          <a:fontRef idx="minor">
+            <a:schemeClr val="tx1"/>
+          </a:fontRef>
+        </p:style>
+      </p:cxnSp>
+      <p:sp>
+        <p:nvSpPr>
+          <p:cNvPr id="32" name="TextBox 31"/>
+          <p:cNvSpPr txBox="1"/>
+          <p:nvPr/>
+        </p:nvSpPr>
+        <p:spPr>
+          <a:xfrm>
+            <a:off x="10545312" y="4499422"/>
+            <a:ext cx="615461" cy="369332"/>
+          </a:xfrm>
+          <a:prstGeom prst="rect">
+            <a:avLst/>
+          </a:prstGeom>
+          <a:noFill/>
+        </p:spPr>
+        <p:txBody>
+          <a:bodyPr wrap="square" rtlCol="0">
+            <a:spAutoFit/>
+          </a:bodyPr>
+          <a:lstStyle/>
+          <a:p>
+            <a:r>
+              <a:rPr lang="en-US" dirty="0"/>
+              <a:t>YES</a:t>
+            </a:r>
+          </a:p>
+        </p:txBody>
+      </p:sp>
+    </p:spTree>
+    <p:extLst>
+      <p:ext uri="{BB962C8B-B14F-4D97-AF65-F5344CB8AC3E}">
+        <p14:creationId xmlns:p14="http://schemas.microsoft.com/office/powerpoint/2010/main" val="1043767803"/>
       </p:ext>
     </p:extLst>
   </p:cSld>
